--- a/advisePart3.pptx
+++ b/advisePart3.pptx
@@ -23567,7 +23567,7 @@
             </a:pPr>
             <a:r>
               <a:rPr lang="en" dirty="0"/>
-              <a:t>Countermeasures Effectiveness Against Hacker</a:t>
+              <a:t>Countermeasures Against Hacker</a:t>
             </a:r>
             <a:endParaRPr dirty="0"/>
           </a:p>

--- a/advisePart3.pptx
+++ b/advisePart3.pptx
@@ -6970,8 +6970,12 @@
               </a:spcAft>
             </a:pPr>
             <a:r>
+              <a:rPr lang="en"/>
+              <a:t>Step Size: </a:t>
+            </a:r>
+            <a:r>
               <a:rPr lang="en" dirty="0"/>
-              <a:t>Step Simulation Time: 5 hours</a:t>
+              <a:t>5 hours</a:t>
             </a:r>
           </a:p>
           <a:p>
@@ -20898,7 +20902,7 @@
             </a:pPr>
             <a:r>
               <a:rPr lang="en" dirty="0"/>
-              <a:t>” </a:t>
+              <a:t>”</a:t>
             </a:r>
             <a:r>
               <a:rPr lang="en-US" dirty="0"/>
@@ -20906,7 +20910,7 @@
             </a:r>
             <a:r>
               <a:rPr lang="en" dirty="0"/>
-              <a:t> ” – Yurtsever et al. – March 2020</a:t>
+              <a:t>” – Yurtsever et al. – March 2020</a:t>
             </a:r>
           </a:p>
           <a:p>
